--- a/citationKNN.pptx
+++ b/citationKNN.pptx
@@ -207,7 +207,7 @@
           <a:p>
             <a:fld id="{D261D363-4DC4-4664-A51D-DF450B64A555}" type="datetimeFigureOut">
               <a:rPr lang="en-US" smtClean="0"/>
-              <a:t>4/26/2018</a:t>
+              <a:t>5/13/2018</a:t>
             </a:fld>
             <a:endParaRPr lang="en-US"/>
           </a:p>
@@ -1300,7 +1300,7 @@
           <a:p>
             <a:fld id="{3ED69F53-D244-466C-B4EE-E4762A3CF40A}" type="datetimeFigureOut">
               <a:rPr lang="en-US" smtClean="0"/>
-              <a:t>4/26/2018</a:t>
+              <a:t>5/13/2018</a:t>
             </a:fld>
             <a:endParaRPr lang="en-US"/>
           </a:p>
@@ -1551,7 +1551,7 @@
           <a:p>
             <a:fld id="{3ED69F53-D244-466C-B4EE-E4762A3CF40A}" type="datetimeFigureOut">
               <a:rPr lang="en-US" smtClean="0"/>
-              <a:t>4/26/2018</a:t>
+              <a:t>5/13/2018</a:t>
             </a:fld>
             <a:endParaRPr lang="en-US"/>
           </a:p>
@@ -1865,7 +1865,7 @@
           <a:p>
             <a:fld id="{3ED69F53-D244-466C-B4EE-E4762A3CF40A}" type="datetimeFigureOut">
               <a:rPr lang="en-US" smtClean="0"/>
-              <a:t>4/26/2018</a:t>
+              <a:t>5/13/2018</a:t>
             </a:fld>
             <a:endParaRPr lang="en-US"/>
           </a:p>
@@ -2206,7 +2206,7 @@
           <a:p>
             <a:fld id="{3ED69F53-D244-466C-B4EE-E4762A3CF40A}" type="datetimeFigureOut">
               <a:rPr lang="en-US" smtClean="0"/>
-              <a:t>4/26/2018</a:t>
+              <a:t>5/13/2018</a:t>
             </a:fld>
             <a:endParaRPr lang="en-US"/>
           </a:p>
@@ -2520,7 +2520,7 @@
           <a:p>
             <a:fld id="{3ED69F53-D244-466C-B4EE-E4762A3CF40A}" type="datetimeFigureOut">
               <a:rPr lang="en-US" smtClean="0"/>
-              <a:t>4/26/2018</a:t>
+              <a:t>5/13/2018</a:t>
             </a:fld>
             <a:endParaRPr lang="en-US"/>
           </a:p>
@@ -2913,7 +2913,7 @@
           <a:p>
             <a:fld id="{3ED69F53-D244-466C-B4EE-E4762A3CF40A}" type="datetimeFigureOut">
               <a:rPr lang="en-US" smtClean="0"/>
-              <a:t>4/26/2018</a:t>
+              <a:t>5/13/2018</a:t>
             </a:fld>
             <a:endParaRPr lang="en-US"/>
           </a:p>
@@ -3083,7 +3083,7 @@
           <a:p>
             <a:fld id="{3ED69F53-D244-466C-B4EE-E4762A3CF40A}" type="datetimeFigureOut">
               <a:rPr lang="en-US" smtClean="0"/>
-              <a:t>4/26/2018</a:t>
+              <a:t>5/13/2018</a:t>
             </a:fld>
             <a:endParaRPr lang="en-US"/>
           </a:p>
@@ -3263,7 +3263,7 @@
           <a:p>
             <a:fld id="{3ED69F53-D244-466C-B4EE-E4762A3CF40A}" type="datetimeFigureOut">
               <a:rPr lang="en-US" smtClean="0"/>
-              <a:t>4/26/2018</a:t>
+              <a:t>5/13/2018</a:t>
             </a:fld>
             <a:endParaRPr lang="en-US"/>
           </a:p>
@@ -3439,7 +3439,7 @@
           <a:p>
             <a:fld id="{3ED69F53-D244-466C-B4EE-E4762A3CF40A}" type="datetimeFigureOut">
               <a:rPr lang="en-US" smtClean="0"/>
-              <a:t>4/26/2018</a:t>
+              <a:t>5/13/2018</a:t>
             </a:fld>
             <a:endParaRPr lang="en-US"/>
           </a:p>
@@ -3686,7 +3686,7 @@
           <a:p>
             <a:fld id="{3ED69F53-D244-466C-B4EE-E4762A3CF40A}" type="datetimeFigureOut">
               <a:rPr lang="en-US" smtClean="0"/>
-              <a:t>4/26/2018</a:t>
+              <a:t>5/13/2018</a:t>
             </a:fld>
             <a:endParaRPr lang="en-US"/>
           </a:p>
@@ -3918,7 +3918,7 @@
           <a:p>
             <a:fld id="{3ED69F53-D244-466C-B4EE-E4762A3CF40A}" type="datetimeFigureOut">
               <a:rPr lang="en-US" smtClean="0"/>
-              <a:t>4/26/2018</a:t>
+              <a:t>5/13/2018</a:t>
             </a:fld>
             <a:endParaRPr lang="en-US"/>
           </a:p>
@@ -4292,7 +4292,7 @@
           <a:p>
             <a:fld id="{3ED69F53-D244-466C-B4EE-E4762A3CF40A}" type="datetimeFigureOut">
               <a:rPr lang="en-US" smtClean="0"/>
-              <a:t>4/26/2018</a:t>
+              <a:t>5/13/2018</a:t>
             </a:fld>
             <a:endParaRPr lang="en-US"/>
           </a:p>
@@ -4415,7 +4415,7 @@
           <a:p>
             <a:fld id="{3ED69F53-D244-466C-B4EE-E4762A3CF40A}" type="datetimeFigureOut">
               <a:rPr lang="en-US" smtClean="0"/>
-              <a:t>4/26/2018</a:t>
+              <a:t>5/13/2018</a:t>
             </a:fld>
             <a:endParaRPr lang="en-US"/>
           </a:p>
@@ -4510,7 +4510,7 @@
           <a:p>
             <a:fld id="{3ED69F53-D244-466C-B4EE-E4762A3CF40A}" type="datetimeFigureOut">
               <a:rPr lang="en-US" smtClean="0"/>
-              <a:t>4/26/2018</a:t>
+              <a:t>5/13/2018</a:t>
             </a:fld>
             <a:endParaRPr lang="en-US"/>
           </a:p>
@@ -4765,7 +4765,7 @@
           <a:p>
             <a:fld id="{3ED69F53-D244-466C-B4EE-E4762A3CF40A}" type="datetimeFigureOut">
               <a:rPr lang="en-US" smtClean="0"/>
-              <a:t>4/26/2018</a:t>
+              <a:t>5/13/2018</a:t>
             </a:fld>
             <a:endParaRPr lang="en-US"/>
           </a:p>
@@ -5028,7 +5028,7 @@
           <a:p>
             <a:fld id="{3ED69F53-D244-466C-B4EE-E4762A3CF40A}" type="datetimeFigureOut">
               <a:rPr lang="en-US" smtClean="0"/>
-              <a:t>4/26/2018</a:t>
+              <a:t>5/13/2018</a:t>
             </a:fld>
             <a:endParaRPr lang="en-US"/>
           </a:p>
@@ -5771,7 +5771,7 @@
           <a:p>
             <a:fld id="{3ED69F53-D244-466C-B4EE-E4762A3CF40A}" type="datetimeFigureOut">
               <a:rPr lang="en-US" smtClean="0"/>
-              <a:t>4/26/2018</a:t>
+              <a:t>5/13/2018</a:t>
             </a:fld>
             <a:endParaRPr lang="en-US"/>
           </a:p>
@@ -6718,24 +6718,6 @@
           <a:p>
             <a:endParaRPr lang="en-US" dirty="0"/>
           </a:p>
-          <a:p>
-            <a:pPr algn="just"/>
-            <a:r>
-              <a:rPr lang="en-US" dirty="0" err="1"/>
-              <a:t>Github</a:t>
-            </a:r>
-            <a:r>
-              <a:rPr lang="en-US" dirty="0"/>
-              <a:t> link: https://github.ncsu.edu/dgupta22/citationKNN_GPU</a:t>
-            </a:r>
-          </a:p>
-          <a:p>
-            <a:pPr algn="just"/>
-            <a:r>
-              <a:rPr lang="en-US" dirty="0"/>
-              <a:t>(shared with htseng3 and zqiu2)</a:t>
-            </a:r>
-          </a:p>
         </p:txBody>
       </p:sp>
       <p:sp>
@@ -6753,7 +6735,7 @@
         <p:spPr>
           <a:xfrm>
             <a:off x="4790661" y="4240448"/>
-            <a:ext cx="4850296" cy="646331"/>
+            <a:ext cx="4850296" cy="369332"/>
           </a:xfrm>
           <a:prstGeom prst="rect">
             <a:avLst/>
@@ -6784,27 +6766,6 @@
               <a:rPr lang="en-US" dirty="0"/>
               <a:t>)</a:t>
             </a:r>
-          </a:p>
-          <a:p>
-            <a:pPr marL="285750" indent="-285750">
-              <a:buFontTx/>
-              <a:buChar char="-"/>
-            </a:pPr>
-            <a:r>
-              <a:rPr lang="en-US" dirty="0"/>
-              <a:t>Shawn Shadrix (</a:t>
-            </a:r>
-            <a:r>
-              <a:rPr lang="en-US" u="sng" dirty="0">
-                <a:hlinkClick r:id="rId3"/>
-              </a:rPr>
-              <a:t>shshadri@ncsu.edu</a:t>
-            </a:r>
-            <a:r>
-              <a:rPr lang="en-US" u="sng" dirty="0"/>
-              <a:t>)</a:t>
-            </a:r>
-            <a:endParaRPr lang="en-US" dirty="0"/>
           </a:p>
         </p:txBody>
       </p:sp>
